--- a/slides/Mining_Data_and_Control_Plane_Outages.pptx
+++ b/slides/Mining_Data_and_Control_Plane_Outages.pptx
@@ -117,6 +117,22 @@
       </a:defRPr>
     </a:lvl9pPr>
   </p:defaultTextStyle>
+  <p:extLst>
+    <p:ext uri="{EFAFB233-063F-42B5-8137-9DF3F51BA10A}">
+      <p15:sldGuideLst xmlns:p15="http://schemas.microsoft.com/office/powerpoint/2012/main">
+        <p15:guide id="1" orient="horz" pos="2160">
+          <p15:clr>
+            <a:srgbClr val="A4A3A4"/>
+          </p15:clr>
+        </p15:guide>
+        <p15:guide id="2" pos="2880">
+          <p15:clr>
+            <a:srgbClr val="A4A3A4"/>
+          </p15:clr>
+        </p15:guide>
+      </p15:sldGuideLst>
+    </p:ext>
+  </p:extLst>
 </p:presentation>
 </file>
 
@@ -203,7 +219,7 @@
             <a:fld id="{9B21E631-AA54-412D-B657-E403C7919D00}" type="datetimeFigureOut">
               <a:rPr lang="en-US" smtClean="0"/>
               <a:pPr/>
-              <a:t>9/9/2014</a:t>
+              <a:t>6/10/17</a:t>
             </a:fld>
             <a:endParaRPr lang="en-US"/>
           </a:p>
@@ -374,7 +390,7 @@
     </p:spTree>
     <p:extLst>
       <p:ext uri="{BB962C8B-B14F-4D97-AF65-F5344CB8AC3E}">
-        <p14:creationId xmlns:p14="http://schemas.microsoft.com/office/powerpoint/2010/main" xmlns="" val="4164229759"/>
+        <p14:creationId xmlns:p14="http://schemas.microsoft.com/office/powerpoint/2010/main" val="4164229759"/>
       </p:ext>
     </p:extLst>
   </p:cSld>
@@ -1558,7 +1574,7 @@
             <a:fld id="{0B823B36-DB7A-4DD1-B37D-7A8CEEADCE74}" type="datetime1">
               <a:rPr lang="en-US" smtClean="0"/>
               <a:pPr/>
-              <a:t>9/9/2014</a:t>
+              <a:t>6/10/17</a:t>
             </a:fld>
             <a:endParaRPr lang="en-US"/>
           </a:p>
@@ -1616,13 +1632,13 @@
   <p:clrMapOvr>
     <a:masterClrMapping/>
   </p:clrMapOvr>
-  <mc:AlternateContent xmlns:mc="http://schemas.openxmlformats.org/markup-compatibility/2006">
-    <mc:Choice xmlns:p14="http://schemas.microsoft.com/office/powerpoint/2010/main" xmlns="" Requires="p14">
+  <mc:AlternateContent xmlns:mc="http://schemas.openxmlformats.org/markup-compatibility/2006" xmlns:p14="http://schemas.microsoft.com/office/powerpoint/2010/main">
+    <mc:Choice Requires="p14">
       <p:transition p14:dur="150">
         <p:fade/>
       </p:transition>
     </mc:Choice>
-    <mc:Fallback>
+    <mc:Fallback xmlns="">
       <p:transition>
         <p:fade/>
       </p:transition>
@@ -1741,7 +1757,7 @@
             <a:fld id="{56422139-1356-461E-8A8B-0854E21F425B}" type="datetime1">
               <a:rPr lang="en-US" smtClean="0"/>
               <a:pPr/>
-              <a:t>9/9/2014</a:t>
+              <a:t>6/10/17</a:t>
             </a:fld>
             <a:endParaRPr lang="en-US"/>
           </a:p>
@@ -1799,13 +1815,13 @@
   <p:clrMapOvr>
     <a:masterClrMapping/>
   </p:clrMapOvr>
-  <mc:AlternateContent xmlns:mc="http://schemas.openxmlformats.org/markup-compatibility/2006">
-    <mc:Choice xmlns:p14="http://schemas.microsoft.com/office/powerpoint/2010/main" xmlns="" Requires="p14">
+  <mc:AlternateContent xmlns:mc="http://schemas.openxmlformats.org/markup-compatibility/2006" xmlns:p14="http://schemas.microsoft.com/office/powerpoint/2010/main">
+    <mc:Choice Requires="p14">
       <p:transition p14:dur="150">
         <p:fade/>
       </p:transition>
     </mc:Choice>
-    <mc:Fallback>
+    <mc:Fallback xmlns="">
       <p:transition>
         <p:fade/>
       </p:transition>
@@ -1934,7 +1950,7 @@
             <a:fld id="{BB85199C-1EF8-4522-A847-407C58546717}" type="datetime1">
               <a:rPr lang="en-US" smtClean="0"/>
               <a:pPr/>
-              <a:t>9/9/2014</a:t>
+              <a:t>6/10/17</a:t>
             </a:fld>
             <a:endParaRPr lang="en-US"/>
           </a:p>
@@ -1992,13 +2008,13 @@
   <p:clrMapOvr>
     <a:masterClrMapping/>
   </p:clrMapOvr>
-  <mc:AlternateContent xmlns:mc="http://schemas.openxmlformats.org/markup-compatibility/2006">
-    <mc:Choice xmlns:p14="http://schemas.microsoft.com/office/powerpoint/2010/main" xmlns="" Requires="p14">
+  <mc:AlternateContent xmlns:mc="http://schemas.openxmlformats.org/markup-compatibility/2006" xmlns:p14="http://schemas.microsoft.com/office/powerpoint/2010/main">
+    <mc:Choice Requires="p14">
       <p:transition p14:dur="150">
         <p:fade/>
       </p:transition>
     </mc:Choice>
-    <mc:Fallback>
+    <mc:Fallback xmlns="">
       <p:transition>
         <p:fade/>
       </p:transition>
@@ -2117,7 +2133,7 @@
             <a:fld id="{A384D53C-B441-4DE4-932E-4BAF93041746}" type="datetime1">
               <a:rPr lang="en-US" smtClean="0"/>
               <a:pPr/>
-              <a:t>9/9/2014</a:t>
+              <a:t>6/10/17</a:t>
             </a:fld>
             <a:endParaRPr lang="en-US"/>
           </a:p>
@@ -2175,13 +2191,13 @@
   <p:clrMapOvr>
     <a:masterClrMapping/>
   </p:clrMapOvr>
-  <mc:AlternateContent xmlns:mc="http://schemas.openxmlformats.org/markup-compatibility/2006">
-    <mc:Choice xmlns:p14="http://schemas.microsoft.com/office/powerpoint/2010/main" xmlns="" Requires="p14">
+  <mc:AlternateContent xmlns:mc="http://schemas.openxmlformats.org/markup-compatibility/2006" xmlns:p14="http://schemas.microsoft.com/office/powerpoint/2010/main">
+    <mc:Choice Requires="p14">
       <p:transition p14:dur="150">
         <p:fade/>
       </p:transition>
     </mc:Choice>
-    <mc:Fallback>
+    <mc:Fallback xmlns="">
       <p:transition>
         <p:fade/>
       </p:transition>
@@ -2376,7 +2392,7 @@
             <a:fld id="{0AB1AE4A-52DC-4EEB-B18C-718EF554A027}" type="datetime1">
               <a:rPr lang="en-US" smtClean="0"/>
               <a:pPr/>
-              <a:t>9/9/2014</a:t>
+              <a:t>6/10/17</a:t>
             </a:fld>
             <a:endParaRPr lang="en-US"/>
           </a:p>
@@ -2434,13 +2450,13 @@
   <p:clrMapOvr>
     <a:masterClrMapping/>
   </p:clrMapOvr>
-  <mc:AlternateContent xmlns:mc="http://schemas.openxmlformats.org/markup-compatibility/2006">
-    <mc:Choice xmlns:p14="http://schemas.microsoft.com/office/powerpoint/2010/main" xmlns="" Requires="p14">
+  <mc:AlternateContent xmlns:mc="http://schemas.openxmlformats.org/markup-compatibility/2006" xmlns:p14="http://schemas.microsoft.com/office/powerpoint/2010/main">
+    <mc:Choice Requires="p14">
       <p:transition p14:dur="150">
         <p:fade/>
       </p:transition>
     </mc:Choice>
-    <mc:Fallback>
+    <mc:Fallback xmlns="">
       <p:transition>
         <p:fade/>
       </p:transition>
@@ -2677,7 +2693,7 @@
             <a:fld id="{4ED8F47B-894E-464A-B67B-A9889F070345}" type="datetime1">
               <a:rPr lang="en-US" smtClean="0"/>
               <a:pPr/>
-              <a:t>9/9/2014</a:t>
+              <a:t>6/10/17</a:t>
             </a:fld>
             <a:endParaRPr lang="en-US"/>
           </a:p>
@@ -2735,13 +2751,13 @@
   <p:clrMapOvr>
     <a:masterClrMapping/>
   </p:clrMapOvr>
-  <mc:AlternateContent xmlns:mc="http://schemas.openxmlformats.org/markup-compatibility/2006">
-    <mc:Choice xmlns:p14="http://schemas.microsoft.com/office/powerpoint/2010/main" xmlns="" Requires="p14">
+  <mc:AlternateContent xmlns:mc="http://schemas.openxmlformats.org/markup-compatibility/2006" xmlns:p14="http://schemas.microsoft.com/office/powerpoint/2010/main">
+    <mc:Choice Requires="p14">
       <p:transition p14:dur="150">
         <p:fade/>
       </p:transition>
     </mc:Choice>
-    <mc:Fallback>
+    <mc:Fallback xmlns="">
       <p:transition>
         <p:fade/>
       </p:transition>
@@ -3112,7 +3128,7 @@
             <a:fld id="{2493580D-3FBF-4BA5-9B33-82913BCBCA4E}" type="datetime1">
               <a:rPr lang="en-US" smtClean="0"/>
               <a:pPr/>
-              <a:t>9/9/2014</a:t>
+              <a:t>6/10/17</a:t>
             </a:fld>
             <a:endParaRPr lang="en-US"/>
           </a:p>
@@ -3170,13 +3186,13 @@
   <p:clrMapOvr>
     <a:masterClrMapping/>
   </p:clrMapOvr>
-  <mc:AlternateContent xmlns:mc="http://schemas.openxmlformats.org/markup-compatibility/2006">
-    <mc:Choice xmlns:p14="http://schemas.microsoft.com/office/powerpoint/2010/main" xmlns="" Requires="p14">
+  <mc:AlternateContent xmlns:mc="http://schemas.openxmlformats.org/markup-compatibility/2006" xmlns:p14="http://schemas.microsoft.com/office/powerpoint/2010/main">
+    <mc:Choice Requires="p14">
       <p:transition p14:dur="150">
         <p:fade/>
       </p:transition>
     </mc:Choice>
-    <mc:Fallback>
+    <mc:Fallback xmlns="">
       <p:transition>
         <p:fade/>
       </p:transition>
@@ -3243,7 +3259,7 @@
             <a:fld id="{1BD3DA2E-778E-459F-8494-5A20D2E02B4D}" type="datetime1">
               <a:rPr lang="en-US" smtClean="0"/>
               <a:pPr/>
-              <a:t>9/9/2014</a:t>
+              <a:t>6/10/17</a:t>
             </a:fld>
             <a:endParaRPr lang="en-US"/>
           </a:p>
@@ -3301,13 +3317,13 @@
   <p:clrMapOvr>
     <a:masterClrMapping/>
   </p:clrMapOvr>
-  <mc:AlternateContent xmlns:mc="http://schemas.openxmlformats.org/markup-compatibility/2006">
-    <mc:Choice xmlns:p14="http://schemas.microsoft.com/office/powerpoint/2010/main" xmlns="" Requires="p14">
+  <mc:AlternateContent xmlns:mc="http://schemas.openxmlformats.org/markup-compatibility/2006" xmlns:p14="http://schemas.microsoft.com/office/powerpoint/2010/main">
+    <mc:Choice Requires="p14">
       <p:transition p14:dur="150">
         <p:fade/>
       </p:transition>
     </mc:Choice>
-    <mc:Fallback>
+    <mc:Fallback xmlns="">
       <p:transition>
         <p:fade/>
       </p:transition>
@@ -3351,7 +3367,7 @@
             <a:fld id="{F55717FE-6A50-422B-8E2B-3DA7A880F713}" type="datetime1">
               <a:rPr lang="en-US" smtClean="0"/>
               <a:pPr/>
-              <a:t>9/9/2014</a:t>
+              <a:t>6/10/17</a:t>
             </a:fld>
             <a:endParaRPr lang="en-US"/>
           </a:p>
@@ -3409,13 +3425,13 @@
   <p:clrMapOvr>
     <a:masterClrMapping/>
   </p:clrMapOvr>
-  <mc:AlternateContent xmlns:mc="http://schemas.openxmlformats.org/markup-compatibility/2006">
-    <mc:Choice xmlns:p14="http://schemas.microsoft.com/office/powerpoint/2010/main" xmlns="" Requires="p14">
+  <mc:AlternateContent xmlns:mc="http://schemas.openxmlformats.org/markup-compatibility/2006" xmlns:p14="http://schemas.microsoft.com/office/powerpoint/2010/main">
+    <mc:Choice Requires="p14">
       <p:transition p14:dur="150">
         <p:fade/>
       </p:transition>
     </mc:Choice>
-    <mc:Fallback>
+    <mc:Fallback xmlns="">
       <p:transition>
         <p:fade/>
       </p:transition>
@@ -3641,7 +3657,7 @@
             <a:fld id="{1A0D9415-0D6D-48A6-AB85-6FBC3271524B}" type="datetime1">
               <a:rPr lang="en-US" smtClean="0"/>
               <a:pPr/>
-              <a:t>9/9/2014</a:t>
+              <a:t>6/10/17</a:t>
             </a:fld>
             <a:endParaRPr lang="en-US"/>
           </a:p>
@@ -3699,13 +3715,13 @@
   <p:clrMapOvr>
     <a:masterClrMapping/>
   </p:clrMapOvr>
-  <mc:AlternateContent xmlns:mc="http://schemas.openxmlformats.org/markup-compatibility/2006">
-    <mc:Choice xmlns:p14="http://schemas.microsoft.com/office/powerpoint/2010/main" xmlns="" Requires="p14">
+  <mc:AlternateContent xmlns:mc="http://schemas.openxmlformats.org/markup-compatibility/2006" xmlns:p14="http://schemas.microsoft.com/office/powerpoint/2010/main">
+    <mc:Choice Requires="p14">
       <p:transition p14:dur="150">
         <p:fade/>
       </p:transition>
     </mc:Choice>
-    <mc:Fallback>
+    <mc:Fallback xmlns="">
       <p:transition>
         <p:fade/>
       </p:transition>
@@ -3907,7 +3923,7 @@
             <a:fld id="{E4A900A3-BD6B-4DA1-AF25-3340E4616630}" type="datetime1">
               <a:rPr lang="en-US" smtClean="0"/>
               <a:pPr/>
-              <a:t>9/9/2014</a:t>
+              <a:t>6/10/17</a:t>
             </a:fld>
             <a:endParaRPr lang="en-US"/>
           </a:p>
@@ -3965,13 +3981,13 @@
   <p:clrMapOvr>
     <a:masterClrMapping/>
   </p:clrMapOvr>
-  <mc:AlternateContent xmlns:mc="http://schemas.openxmlformats.org/markup-compatibility/2006">
-    <mc:Choice xmlns:p14="http://schemas.microsoft.com/office/powerpoint/2010/main" xmlns="" Requires="p14">
+  <mc:AlternateContent xmlns:mc="http://schemas.openxmlformats.org/markup-compatibility/2006" xmlns:p14="http://schemas.microsoft.com/office/powerpoint/2010/main">
+    <mc:Choice Requires="p14">
       <p:transition p14:dur="150">
         <p:fade/>
       </p:transition>
     </mc:Choice>
-    <mc:Fallback>
+    <mc:Fallback xmlns="">
       <p:transition>
         <p:fade/>
       </p:transition>
@@ -4133,7 +4149,7 @@
             <a:fld id="{E2CE417C-68F3-4162-AB43-E4172355DBC8}" type="datetime1">
               <a:rPr lang="en-US" smtClean="0"/>
               <a:pPr/>
-              <a:t>9/9/2014</a:t>
+              <a:t>6/10/17</a:t>
             </a:fld>
             <a:endParaRPr lang="en-US"/>
           </a:p>
@@ -4238,13 +4254,13 @@
     <p:sldLayoutId id="2147483658" r:id="rId10"/>
     <p:sldLayoutId id="2147483659" r:id="rId11"/>
   </p:sldLayoutIdLst>
-  <mc:AlternateContent xmlns:mc="http://schemas.openxmlformats.org/markup-compatibility/2006">
-    <mc:Choice xmlns:p14="http://schemas.microsoft.com/office/powerpoint/2010/main" xmlns="" Requires="p14">
+  <mc:AlternateContent xmlns:mc="http://schemas.openxmlformats.org/markup-compatibility/2006" xmlns:p14="http://schemas.microsoft.com/office/powerpoint/2010/main">
+    <mc:Choice Requires="p14">
       <p:transition p14:dur="150">
         <p:fade/>
       </p:transition>
     </mc:Choice>
-    <mc:Fallback>
+    <mc:Fallback xmlns="">
       <p:transition>
         <p:fade/>
       </p:transition>
@@ -4669,13 +4685,13 @@
   <p:clrMapOvr>
     <a:masterClrMapping/>
   </p:clrMapOvr>
-  <mc:AlternateContent xmlns:mc="http://schemas.openxmlformats.org/markup-compatibility/2006">
-    <mc:Choice xmlns:p14="http://schemas.microsoft.com/office/powerpoint/2010/main" xmlns="" Requires="p14">
+  <mc:AlternateContent xmlns:mc="http://schemas.openxmlformats.org/markup-compatibility/2006" xmlns:p14="http://schemas.microsoft.com/office/powerpoint/2010/main">
+    <mc:Choice Requires="p14">
       <p:transition p14:dur="150">
         <p:fade/>
       </p:transition>
     </mc:Choice>
-    <mc:Fallback>
+    <mc:Fallback xmlns="">
       <p:transition>
         <p:fade/>
       </p:transition>
@@ -4842,11 +4858,7 @@
           <a:p>
             <a:r>
               <a:rPr lang="en-US" sz="2600" dirty="0" smtClean="0"/>
-              <a:t>Evaluate </a:t>
-            </a:r>
-            <a:r>
-              <a:rPr lang="en-US" sz="2600" dirty="0" smtClean="0"/>
-              <a:t>options to push data into HIVE</a:t>
+              <a:t>Evaluate options to push data into HIVE</a:t>
             </a:r>
           </a:p>
           <a:p>
@@ -4864,20 +4876,20 @@
     </p:spTree>
     <p:extLst>
       <p:ext uri="{BB962C8B-B14F-4D97-AF65-F5344CB8AC3E}">
-        <p14:creationId xmlns:p14="http://schemas.microsoft.com/office/powerpoint/2010/main" xmlns="" val="3932824120"/>
+        <p14:creationId xmlns:p14="http://schemas.microsoft.com/office/powerpoint/2010/main" val="3932824120"/>
       </p:ext>
     </p:extLst>
   </p:cSld>
   <p:clrMapOvr>
     <a:masterClrMapping/>
   </p:clrMapOvr>
-  <mc:AlternateContent xmlns:mc="http://schemas.openxmlformats.org/markup-compatibility/2006">
-    <mc:Choice xmlns:p14="http://schemas.microsoft.com/office/powerpoint/2010/main" xmlns="" Requires="p14">
+  <mc:AlternateContent xmlns:mc="http://schemas.openxmlformats.org/markup-compatibility/2006" xmlns:p14="http://schemas.microsoft.com/office/powerpoint/2010/main">
+    <mc:Choice Requires="p14">
       <p:transition p14:dur="150">
         <p:fade/>
       </p:transition>
     </mc:Choice>
-    <mc:Fallback>
+    <mc:Fallback xmlns="">
       <p:transition>
         <p:fade/>
       </p:transition>
@@ -5080,20 +5092,20 @@
     </p:spTree>
     <p:extLst>
       <p:ext uri="{BB962C8B-B14F-4D97-AF65-F5344CB8AC3E}">
-        <p14:creationId xmlns:p14="http://schemas.microsoft.com/office/powerpoint/2010/main" xmlns="" val="1375506341"/>
+        <p14:creationId xmlns:p14="http://schemas.microsoft.com/office/powerpoint/2010/main" val="1375506341"/>
       </p:ext>
     </p:extLst>
   </p:cSld>
   <p:clrMapOvr>
     <a:masterClrMapping/>
   </p:clrMapOvr>
-  <mc:AlternateContent xmlns:mc="http://schemas.openxmlformats.org/markup-compatibility/2006">
-    <mc:Choice xmlns:p14="http://schemas.microsoft.com/office/powerpoint/2010/main" xmlns="" Requires="p14">
+  <mc:AlternateContent xmlns:mc="http://schemas.openxmlformats.org/markup-compatibility/2006" xmlns:p14="http://schemas.microsoft.com/office/powerpoint/2010/main">
+    <mc:Choice Requires="p14">
       <p:transition p14:dur="150">
         <p:fade/>
       </p:transition>
     </mc:Choice>
-    <mc:Fallback>
+    <mc:Fallback xmlns="">
       <p:transition>
         <p:fade/>
       </p:transition>
@@ -5348,20 +5360,20 @@
     </p:spTree>
     <p:extLst>
       <p:ext uri="{BB962C8B-B14F-4D97-AF65-F5344CB8AC3E}">
-        <p14:creationId xmlns:p14="http://schemas.microsoft.com/office/powerpoint/2010/main" xmlns="" val="337350132"/>
+        <p14:creationId xmlns:p14="http://schemas.microsoft.com/office/powerpoint/2010/main" val="337350132"/>
       </p:ext>
     </p:extLst>
   </p:cSld>
   <p:clrMapOvr>
     <a:masterClrMapping/>
   </p:clrMapOvr>
-  <mc:AlternateContent xmlns:mc="http://schemas.openxmlformats.org/markup-compatibility/2006">
-    <mc:Choice xmlns:p14="http://schemas.microsoft.com/office/powerpoint/2010/main" xmlns="" Requires="p14">
+  <mc:AlternateContent xmlns:mc="http://schemas.openxmlformats.org/markup-compatibility/2006" xmlns:p14="http://schemas.microsoft.com/office/powerpoint/2010/main">
+    <mc:Choice Requires="p14">
       <p:transition p14:dur="150">
         <p:fade/>
       </p:transition>
     </mc:Choice>
-    <mc:Fallback>
+    <mc:Fallback xmlns="">
       <p:transition>
         <p:fade/>
       </p:transition>
@@ -5406,17 +5418,17 @@
           <a:blip r:embed="rId3">
             <a:extLst>
               <a:ext uri="{28A0092B-C50C-407E-A947-70E740481C1C}">
-                <a14:useLocalDpi xmlns:a14="http://schemas.microsoft.com/office/drawing/2010/main" xmlns="" val="0"/>
+                <a14:useLocalDpi xmlns:a14="http://schemas.microsoft.com/office/drawing/2010/main" val="0"/>
               </a:ext>
             </a:extLst>
           </a:blip>
-          <a:srcRect t="5857" r="1469"/>
+          <a:srcRect t="14693" r="3637"/>
           <a:stretch/>
         </p:blipFill>
         <p:spPr>
           <a:xfrm>
-            <a:off x="457200" y="4021685"/>
-            <a:ext cx="8033657" cy="2643482"/>
+            <a:off x="304800" y="3701671"/>
+            <a:ext cx="8153400" cy="2484880"/>
           </a:xfrm>
           <a:prstGeom prst="rect">
             <a:avLst/>
@@ -5532,22 +5544,21 @@
           </p:cNvPicPr>
           <p:nvPr/>
         </p:nvPicPr>
-        <p:blipFill>
+        <p:blipFill rotWithShape="1">
           <a:blip r:embed="rId4">
             <a:extLst>
               <a:ext uri="{28A0092B-C50C-407E-A947-70E740481C1C}">
-                <a14:useLocalDpi xmlns:a14="http://schemas.microsoft.com/office/drawing/2010/main" xmlns="" val="0"/>
+                <a14:useLocalDpi xmlns:a14="http://schemas.microsoft.com/office/drawing/2010/main" val="0"/>
               </a:ext>
             </a:extLst>
           </a:blip>
-          <a:stretch>
-            <a:fillRect/>
-          </a:stretch>
+          <a:srcRect t="13463" r="2728" b="13352"/>
+          <a:stretch/>
         </p:blipFill>
         <p:spPr>
           <a:xfrm>
-            <a:off x="304800" y="1219200"/>
-            <a:ext cx="8382000" cy="2802485"/>
+            <a:off x="304800" y="1596504"/>
+            <a:ext cx="8229600" cy="2050973"/>
           </a:xfrm>
           <a:prstGeom prst="rect">
             <a:avLst/>
@@ -5636,7 +5647,7 @@
         <p:spPr>
           <a:xfrm>
             <a:off x="7162800" y="1214735"/>
-            <a:ext cx="1000723" cy="461665"/>
+            <a:ext cx="1135247" cy="461665"/>
           </a:xfrm>
           <a:prstGeom prst="rect">
             <a:avLst/>
@@ -5656,6 +5667,9 @@
                     <a:lumMod val="50000"/>
                   </a:schemeClr>
                 </a:solidFill>
+                <a:latin typeface="Helvetica Light" charset="0"/>
+                <a:ea typeface="Helvetica Light" charset="0"/>
+                <a:cs typeface="Helvetica Light" charset="0"/>
               </a:rPr>
               <a:t>Ping Outage</a:t>
             </a:r>
@@ -5668,6 +5682,9 @@
                     <a:lumMod val="50000"/>
                   </a:schemeClr>
                 </a:solidFill>
+                <a:latin typeface="Helvetica Light" charset="0"/>
+                <a:ea typeface="Helvetica Light" charset="0"/>
+                <a:cs typeface="Helvetica Light" charset="0"/>
               </a:rPr>
               <a:t>BGP Updates</a:t>
             </a:r>
@@ -5677,6 +5694,9 @@
                   <a:lumMod val="50000"/>
                 </a:schemeClr>
               </a:solidFill>
+              <a:latin typeface="Helvetica Light" charset="0"/>
+              <a:ea typeface="Helvetica Light" charset="0"/>
+              <a:cs typeface="Helvetica Light" charset="0"/>
             </a:endParaRPr>
           </a:p>
         </p:txBody>
@@ -5689,8 +5709,8 @@
         </p:nvSpPr>
         <p:spPr>
           <a:xfrm>
-            <a:off x="4457775" y="6374363"/>
-            <a:ext cx="419025" cy="276999"/>
+            <a:off x="3853951" y="5855952"/>
+            <a:ext cx="1055097" cy="276999"/>
           </a:xfrm>
           <a:prstGeom prst="rect">
             <a:avLst/>
@@ -5704,10 +5724,18 @@
           <a:lstStyle/>
           <a:p>
             <a:r>
-              <a:rPr lang="en-US" sz="1200" dirty="0" smtClean="0"/>
-              <a:t>Day</a:t>
-            </a:r>
-            <a:endParaRPr lang="en-US" sz="1200" dirty="0"/>
+              <a:rPr lang="en-US" sz="1200" smtClean="0">
+                <a:latin typeface="Helvetica Light" charset="0"/>
+                <a:ea typeface="Helvetica Light" charset="0"/>
+                <a:cs typeface="Helvetica Light" charset="0"/>
+              </a:rPr>
+              <a:t>Day of Week</a:t>
+            </a:r>
+            <a:endParaRPr lang="en-US" sz="1200" dirty="0">
+              <a:latin typeface="Helvetica Light" charset="0"/>
+              <a:ea typeface="Helvetica Light" charset="0"/>
+              <a:cs typeface="Helvetica Light" charset="0"/>
+            </a:endParaRPr>
           </a:p>
         </p:txBody>
       </p:sp>
@@ -5719,8 +5747,8 @@
         </p:nvSpPr>
         <p:spPr>
           <a:xfrm rot="16200000">
-            <a:off x="-62248" y="2438400"/>
-            <a:ext cx="1000723" cy="276999"/>
+            <a:off x="-129510" y="2438400"/>
+            <a:ext cx="1135247" cy="276999"/>
           </a:xfrm>
           <a:prstGeom prst="rect">
             <a:avLst/>
@@ -5734,10 +5762,18 @@
           <a:lstStyle/>
           <a:p>
             <a:r>
-              <a:rPr lang="en-US" sz="1200" dirty="0" smtClean="0"/>
+              <a:rPr lang="en-US" sz="1200" dirty="0" smtClean="0">
+                <a:latin typeface="Helvetica Light" charset="0"/>
+                <a:ea typeface="Helvetica Light" charset="0"/>
+                <a:cs typeface="Helvetica Light" charset="0"/>
+              </a:rPr>
               <a:t>BGP Updates</a:t>
             </a:r>
-            <a:endParaRPr lang="en-US" sz="1200" dirty="0"/>
+            <a:endParaRPr lang="en-US" sz="1200" dirty="0">
+              <a:latin typeface="Helvetica Light" charset="0"/>
+              <a:ea typeface="Helvetica Light" charset="0"/>
+              <a:cs typeface="Helvetica Light" charset="0"/>
+            </a:endParaRPr>
           </a:p>
         </p:txBody>
       </p:sp>
@@ -5749,8 +5785,8 @@
         </p:nvSpPr>
         <p:spPr>
           <a:xfrm rot="16200000">
-            <a:off x="-57062" y="5076139"/>
-            <a:ext cx="1000723" cy="276999"/>
+            <a:off x="-110424" y="4393168"/>
+            <a:ext cx="1135247" cy="276999"/>
           </a:xfrm>
           <a:prstGeom prst="rect">
             <a:avLst/>
@@ -5764,99 +5800,18 @@
           <a:lstStyle/>
           <a:p>
             <a:r>
-              <a:rPr lang="en-US" sz="1200" dirty="0" smtClean="0"/>
+              <a:rPr lang="en-US" sz="1200" dirty="0" smtClean="0">
+                <a:latin typeface="Helvetica Light" charset="0"/>
+                <a:ea typeface="Helvetica Light" charset="0"/>
+                <a:cs typeface="Helvetica Light" charset="0"/>
+              </a:rPr>
               <a:t>BGP Updates</a:t>
             </a:r>
-            <a:endParaRPr lang="en-US" sz="1200" dirty="0"/>
-          </a:p>
-        </p:txBody>
-      </p:sp>
-      <p:sp>
-        <p:nvSpPr>
-          <p:cNvPr id="16" name="TextBox 15"/>
-          <p:cNvSpPr txBox="1"/>
-          <p:nvPr/>
-        </p:nvSpPr>
-        <p:spPr>
-          <a:xfrm>
-            <a:off x="4419600" y="3744686"/>
-            <a:ext cx="419025" cy="276999"/>
-          </a:xfrm>
-          <a:prstGeom prst="rect">
-            <a:avLst/>
-          </a:prstGeom>
-          <a:noFill/>
-        </p:spPr>
-        <p:txBody>
-          <a:bodyPr wrap="none" rtlCol="0">
-            <a:spAutoFit/>
-          </a:bodyPr>
-          <a:lstStyle/>
-          <a:p>
-            <a:r>
-              <a:rPr lang="en-US" sz="1200" dirty="0" smtClean="0"/>
-              <a:t>Day</a:t>
-            </a:r>
-            <a:endParaRPr lang="en-US" sz="1200" dirty="0"/>
-          </a:p>
-        </p:txBody>
-      </p:sp>
-      <p:sp>
-        <p:nvSpPr>
-          <p:cNvPr id="17" name="TextBox 16"/>
-          <p:cNvSpPr txBox="1"/>
-          <p:nvPr/>
-        </p:nvSpPr>
-        <p:spPr>
-          <a:xfrm>
-            <a:off x="914400" y="4572000"/>
-            <a:ext cx="301686" cy="246221"/>
-          </a:xfrm>
-          <a:prstGeom prst="rect">
-            <a:avLst/>
-          </a:prstGeom>
-          <a:noFill/>
-        </p:spPr>
-        <p:txBody>
-          <a:bodyPr wrap="none" rtlCol="0">
-            <a:spAutoFit/>
-          </a:bodyPr>
-          <a:lstStyle/>
-          <a:p>
-            <a:r>
-              <a:rPr lang="en-US" sz="1000" b="1" dirty="0"/>
-              <a:t>W</a:t>
-            </a:r>
-          </a:p>
-        </p:txBody>
-      </p:sp>
-      <p:sp>
-        <p:nvSpPr>
-          <p:cNvPr id="18" name="TextBox 17"/>
-          <p:cNvSpPr txBox="1"/>
-          <p:nvPr/>
-        </p:nvSpPr>
-        <p:spPr>
-          <a:xfrm>
-            <a:off x="914400" y="4859179"/>
-            <a:ext cx="261610" cy="246221"/>
-          </a:xfrm>
-          <a:prstGeom prst="rect">
-            <a:avLst/>
-          </a:prstGeom>
-          <a:noFill/>
-        </p:spPr>
-        <p:txBody>
-          <a:bodyPr wrap="none" rtlCol="0">
-            <a:spAutoFit/>
-          </a:bodyPr>
-          <a:lstStyle/>
-          <a:p>
-            <a:r>
-              <a:rPr lang="en-US" sz="1000" b="1" dirty="0" smtClean="0"/>
-              <a:t>A</a:t>
-            </a:r>
-            <a:endParaRPr lang="en-US" sz="1000" b="1" dirty="0"/>
+            <a:endParaRPr lang="en-US" sz="1200" dirty="0">
+              <a:latin typeface="Helvetica Light" charset="0"/>
+              <a:ea typeface="Helvetica Light" charset="0"/>
+              <a:cs typeface="Helvetica Light" charset="0"/>
+            </a:endParaRPr>
           </a:p>
         </p:txBody>
       </p:sp>
@@ -5868,10 +5823,10 @@
         </p:nvGrpSpPr>
         <p:grpSpPr>
           <a:xfrm>
-            <a:off x="2419253" y="2620442"/>
-            <a:ext cx="3676747" cy="2484958"/>
-            <a:chOff x="2419253" y="2620442"/>
-            <a:chExt cx="3676747" cy="2484958"/>
+            <a:off x="2133600" y="2560637"/>
+            <a:ext cx="4292088" cy="1630362"/>
+            <a:chOff x="2133600" y="2537738"/>
+            <a:chExt cx="4292088" cy="2254635"/>
           </a:xfrm>
         </p:grpSpPr>
         <p:sp>
@@ -5882,8 +5837,8 @@
           </p:nvSpPr>
           <p:spPr>
             <a:xfrm>
-              <a:off x="2419253" y="2946231"/>
-              <a:ext cx="3470950" cy="369332"/>
+              <a:off x="2133600" y="2929479"/>
+              <a:ext cx="4108817" cy="446906"/>
             </a:xfrm>
             <a:prstGeom prst="rect">
               <a:avLst/>
@@ -5897,25 +5852,45 @@
             <a:lstStyle/>
             <a:p>
               <a:r>
-                <a:rPr lang="en-US" b="1" dirty="0" smtClean="0">
+                <a:rPr lang="en-US" sz="1500" dirty="0" smtClean="0">
                   <a:solidFill>
                     <a:srgbClr val="0070C0"/>
                   </a:solidFill>
+                  <a:latin typeface="Helvetica Light" charset="0"/>
+                  <a:ea typeface="Helvetica Light" charset="0"/>
+                  <a:cs typeface="Helvetica Light" charset="0"/>
                 </a:rPr>
-                <a:t>Significant updates </a:t>
+                <a:t>Significant </a:t>
               </a:r>
               <a:r>
-                <a:rPr lang="en-US" b="1" dirty="0" smtClean="0">
+                <a:rPr lang="en-US" sz="1500" dirty="0" smtClean="0">
                   <a:solidFill>
                     <a:srgbClr val="0070C0"/>
                   </a:solidFill>
+                  <a:latin typeface="Helvetica Light" charset="0"/>
+                  <a:ea typeface="Helvetica Light" charset="0"/>
+                  <a:cs typeface="Helvetica Light" charset="0"/>
+                </a:rPr>
+                <a:t>amount of updates </a:t>
+              </a:r>
+              <a:r>
+                <a:rPr lang="en-US" sz="1500" dirty="0" smtClean="0">
+                  <a:solidFill>
+                    <a:srgbClr val="0070C0"/>
+                  </a:solidFill>
+                  <a:latin typeface="Helvetica Light" charset="0"/>
+                  <a:ea typeface="Helvetica Light" charset="0"/>
+                  <a:cs typeface="Helvetica Light" charset="0"/>
                 </a:rPr>
                 <a:t>bracket outage</a:t>
               </a:r>
-              <a:endParaRPr lang="en-US" b="1" dirty="0">
+              <a:endParaRPr lang="en-US" sz="1500" dirty="0">
                 <a:solidFill>
                   <a:srgbClr val="0070C0"/>
                 </a:solidFill>
+                <a:latin typeface="Helvetica Light" charset="0"/>
+                <a:ea typeface="Helvetica Light" charset="0"/>
+                <a:cs typeface="Helvetica Light" charset="0"/>
               </a:endParaRPr>
             </a:p>
           </p:txBody>
@@ -5928,13 +5903,20 @@
           </p:nvCxnSpPr>
           <p:spPr>
             <a:xfrm flipV="1">
-              <a:off x="5421952" y="2620442"/>
-              <a:ext cx="597848" cy="510455"/>
+              <a:off x="5421952" y="2537738"/>
+              <a:ext cx="674048" cy="497786"/>
             </a:xfrm>
             <a:prstGeom prst="straightConnector1">
               <a:avLst/>
             </a:prstGeom>
             <a:ln>
+              <a:solidFill>
+                <a:schemeClr val="tx1">
+                  <a:lumMod val="65000"/>
+                  <a:lumOff val="35000"/>
+                </a:schemeClr>
+              </a:solidFill>
+              <a:prstDash val="sysDot"/>
               <a:tailEnd type="arrow"/>
             </a:ln>
           </p:spPr>
@@ -5961,13 +5943,20 @@
           </p:nvCxnSpPr>
           <p:spPr>
             <a:xfrm>
-              <a:off x="5421952" y="3130897"/>
-              <a:ext cx="674048" cy="1974503"/>
+              <a:off x="5421952" y="3282879"/>
+              <a:ext cx="1003736" cy="1509494"/>
             </a:xfrm>
             <a:prstGeom prst="straightConnector1">
               <a:avLst/>
             </a:prstGeom>
             <a:ln>
+              <a:solidFill>
+                <a:schemeClr val="tx1">
+                  <a:lumMod val="65000"/>
+                  <a:lumOff val="35000"/>
+                </a:schemeClr>
+              </a:solidFill>
+              <a:prstDash val="sysDot"/>
               <a:tailEnd type="arrow"/>
             </a:ln>
           </p:spPr>
@@ -5987,23 +5976,251 @@
           </p:style>
         </p:cxnSp>
       </p:grpSp>
+      <p:sp>
+        <p:nvSpPr>
+          <p:cNvPr id="27" name="TextBox 26"/>
+          <p:cNvSpPr txBox="1"/>
+          <p:nvPr/>
+        </p:nvSpPr>
+        <p:spPr>
+          <a:xfrm>
+            <a:off x="914400" y="1704571"/>
+            <a:ext cx="1292341" cy="276999"/>
+          </a:xfrm>
+          <a:prstGeom prst="rect">
+            <a:avLst/>
+          </a:prstGeom>
+          <a:solidFill>
+            <a:schemeClr val="bg1"/>
+          </a:solidFill>
+        </p:spPr>
+        <p:txBody>
+          <a:bodyPr wrap="none" rtlCol="0">
+            <a:spAutoFit/>
+          </a:bodyPr>
+          <a:lstStyle/>
+          <a:p>
+            <a:r>
+              <a:rPr lang="en-US" sz="1200" dirty="0" smtClean="0">
+                <a:latin typeface="Helvetica Light" charset="0"/>
+                <a:ea typeface="Helvetica Light" charset="0"/>
+                <a:cs typeface="Helvetica Light" charset="0"/>
+              </a:rPr>
+              <a:t>208.73.169.0/24</a:t>
+            </a:r>
+            <a:endParaRPr lang="en-US" sz="1200" dirty="0">
+              <a:latin typeface="Helvetica Light" charset="0"/>
+              <a:ea typeface="Helvetica Light" charset="0"/>
+              <a:cs typeface="Helvetica Light" charset="0"/>
+            </a:endParaRPr>
+          </a:p>
+        </p:txBody>
+      </p:sp>
+      <p:sp>
+        <p:nvSpPr>
+          <p:cNvPr id="28" name="TextBox 27"/>
+          <p:cNvSpPr txBox="1"/>
+          <p:nvPr/>
+        </p:nvSpPr>
+        <p:spPr>
+          <a:xfrm>
+            <a:off x="914400" y="3801648"/>
+            <a:ext cx="1401346" cy="276999"/>
+          </a:xfrm>
+          <a:prstGeom prst="rect">
+            <a:avLst/>
+          </a:prstGeom>
+          <a:solidFill>
+            <a:schemeClr val="bg1"/>
+          </a:solidFill>
+        </p:spPr>
+        <p:txBody>
+          <a:bodyPr wrap="none" rtlCol="0">
+            <a:spAutoFit/>
+          </a:bodyPr>
+          <a:lstStyle/>
+          <a:p>
+            <a:r>
+              <a:rPr lang="mr-IN" sz="1200" dirty="0" smtClean="0">
+                <a:latin typeface="Helvetica Light" charset="0"/>
+                <a:ea typeface="Helvetica Light" charset="0"/>
+                <a:cs typeface="Helvetica Light" charset="0"/>
+              </a:rPr>
+              <a:t>161</a:t>
+            </a:r>
+            <a:r>
+              <a:rPr lang="en-US" sz="1200" dirty="0" smtClean="0">
+                <a:latin typeface="Helvetica Light" charset="0"/>
+                <a:ea typeface="Helvetica Light" charset="0"/>
+                <a:cs typeface="Helvetica Light" charset="0"/>
+              </a:rPr>
+              <a:t>.</a:t>
+            </a:r>
+            <a:r>
+              <a:rPr lang="mr-IN" sz="1200" dirty="0" smtClean="0">
+                <a:latin typeface="Helvetica Light" charset="0"/>
+                <a:ea typeface="Helvetica Light" charset="0"/>
+                <a:cs typeface="Helvetica Light" charset="0"/>
+              </a:rPr>
+              <a:t>151</a:t>
+            </a:r>
+            <a:r>
+              <a:rPr lang="en-US" sz="1200" dirty="0" smtClean="0">
+                <a:latin typeface="Helvetica Light" charset="0"/>
+                <a:ea typeface="Helvetica Light" charset="0"/>
+                <a:cs typeface="Helvetica Light" charset="0"/>
+              </a:rPr>
+              <a:t>.</a:t>
+            </a:r>
+            <a:r>
+              <a:rPr lang="mr-IN" sz="1200" dirty="0" smtClean="0">
+                <a:latin typeface="Helvetica Light" charset="0"/>
+                <a:ea typeface="Helvetica Light" charset="0"/>
+                <a:cs typeface="Helvetica Light" charset="0"/>
+              </a:rPr>
+              <a:t>224</a:t>
+            </a:r>
+            <a:r>
+              <a:rPr lang="en-US" sz="1200" dirty="0" smtClean="0">
+                <a:latin typeface="Helvetica Light" charset="0"/>
+                <a:ea typeface="Helvetica Light" charset="0"/>
+                <a:cs typeface="Helvetica Light" charset="0"/>
+              </a:rPr>
+              <a:t>.</a:t>
+            </a:r>
+            <a:r>
+              <a:rPr lang="mr-IN" sz="1200" dirty="0" smtClean="0">
+                <a:latin typeface="Helvetica Light" charset="0"/>
+                <a:ea typeface="Helvetica Light" charset="0"/>
+                <a:cs typeface="Helvetica Light" charset="0"/>
+              </a:rPr>
+              <a:t>0</a:t>
+            </a:r>
+            <a:r>
+              <a:rPr lang="en-US" sz="1200" dirty="0" smtClean="0">
+                <a:latin typeface="Helvetica Light" charset="0"/>
+                <a:ea typeface="Helvetica Light" charset="0"/>
+                <a:cs typeface="Helvetica Light" charset="0"/>
+              </a:rPr>
+              <a:t>/1</a:t>
+            </a:r>
+            <a:r>
+              <a:rPr lang="mr-IN" sz="1200" dirty="0" smtClean="0">
+                <a:latin typeface="Helvetica Light" charset="0"/>
+                <a:ea typeface="Helvetica Light" charset="0"/>
+                <a:cs typeface="Helvetica Light" charset="0"/>
+              </a:rPr>
+              <a:t>9</a:t>
+            </a:r>
+            <a:endParaRPr lang="en-US" sz="1200" dirty="0">
+              <a:latin typeface="Helvetica Light" charset="0"/>
+              <a:ea typeface="Helvetica Light" charset="0"/>
+              <a:cs typeface="Helvetica Light" charset="0"/>
+            </a:endParaRPr>
+          </a:p>
+        </p:txBody>
+      </p:sp>
+      <p:sp>
+        <p:nvSpPr>
+          <p:cNvPr id="29" name="TextBox 28"/>
+          <p:cNvSpPr txBox="1"/>
+          <p:nvPr/>
+        </p:nvSpPr>
+        <p:spPr>
+          <a:xfrm>
+            <a:off x="3993377" y="5167781"/>
+            <a:ext cx="2528256" cy="323165"/>
+          </a:xfrm>
+          <a:prstGeom prst="rect">
+            <a:avLst/>
+          </a:prstGeom>
+          <a:noFill/>
+        </p:spPr>
+        <p:txBody>
+          <a:bodyPr wrap="none" rtlCol="0">
+            <a:spAutoFit/>
+          </a:bodyPr>
+          <a:lstStyle/>
+          <a:p>
+            <a:r>
+              <a:rPr lang="en-US" sz="1500" smtClean="0">
+                <a:solidFill>
+                  <a:srgbClr val="0070C0"/>
+                </a:solidFill>
+                <a:latin typeface="Helvetica Light" charset="0"/>
+                <a:ea typeface="Helvetica Light" charset="0"/>
+                <a:cs typeface="Helvetica Light" charset="0"/>
+              </a:rPr>
+              <a:t>No data plane outage seen</a:t>
+            </a:r>
+            <a:endParaRPr lang="en-US" sz="1500" dirty="0">
+              <a:solidFill>
+                <a:srgbClr val="0070C0"/>
+              </a:solidFill>
+              <a:latin typeface="Helvetica Light" charset="0"/>
+              <a:ea typeface="Helvetica Light" charset="0"/>
+              <a:cs typeface="Helvetica Light" charset="0"/>
+            </a:endParaRPr>
+          </a:p>
+        </p:txBody>
+      </p:sp>
+      <p:cxnSp>
+        <p:nvCxnSpPr>
+          <p:cNvPr id="30" name="Straight Arrow Connector 29"/>
+          <p:cNvCxnSpPr/>
+          <p:nvPr/>
+        </p:nvCxnSpPr>
+        <p:spPr>
+          <a:xfrm flipV="1">
+            <a:off x="5758976" y="4531667"/>
+            <a:ext cx="1321384" cy="711134"/>
+          </a:xfrm>
+          <a:prstGeom prst="straightConnector1">
+            <a:avLst/>
+          </a:prstGeom>
+          <a:ln>
+            <a:solidFill>
+              <a:schemeClr val="tx1">
+                <a:lumMod val="65000"/>
+                <a:lumOff val="35000"/>
+              </a:schemeClr>
+            </a:solidFill>
+            <a:prstDash val="sysDot"/>
+            <a:tailEnd type="arrow"/>
+          </a:ln>
+        </p:spPr>
+        <p:style>
+          <a:lnRef idx="1">
+            <a:schemeClr val="accent1"/>
+          </a:lnRef>
+          <a:fillRef idx="0">
+            <a:schemeClr val="accent1"/>
+          </a:fillRef>
+          <a:effectRef idx="0">
+            <a:schemeClr val="accent1"/>
+          </a:effectRef>
+          <a:fontRef idx="minor">
+            <a:schemeClr val="tx1"/>
+          </a:fontRef>
+        </p:style>
+      </p:cxnSp>
     </p:spTree>
     <p:extLst>
       <p:ext uri="{BB962C8B-B14F-4D97-AF65-F5344CB8AC3E}">
-        <p14:creationId xmlns:p14="http://schemas.microsoft.com/office/powerpoint/2010/main" xmlns="" val="860694004"/>
+        <p14:creationId xmlns:p14="http://schemas.microsoft.com/office/powerpoint/2010/main" val="860694004"/>
       </p:ext>
     </p:extLst>
   </p:cSld>
   <p:clrMapOvr>
     <a:masterClrMapping/>
   </p:clrMapOvr>
-  <mc:AlternateContent xmlns:mc="http://schemas.openxmlformats.org/markup-compatibility/2006">
-    <mc:Choice xmlns:p14="http://schemas.microsoft.com/office/powerpoint/2010/main" xmlns="" Requires="p14">
+  <mc:AlternateContent xmlns:mc="http://schemas.openxmlformats.org/markup-compatibility/2006" xmlns:p14="http://schemas.microsoft.com/office/powerpoint/2010/main">
+    <mc:Choice Requires="p14">
       <p:transition p14:dur="150">
         <p:fade/>
       </p:transition>
     </mc:Choice>
-    <mc:Fallback>
+    <mc:Fallback xmlns="">
       <p:transition>
         <p:fade/>
       </p:transition>
@@ -6310,13 +6527,13 @@
   <p:clrMapOvr>
     <a:masterClrMapping/>
   </p:clrMapOvr>
-  <mc:AlternateContent xmlns:mc="http://schemas.openxmlformats.org/markup-compatibility/2006">
-    <mc:Choice xmlns:p14="http://schemas.microsoft.com/office/powerpoint/2010/main" xmlns="" Requires="p14">
+  <mc:AlternateContent xmlns:mc="http://schemas.openxmlformats.org/markup-compatibility/2006" xmlns:p14="http://schemas.microsoft.com/office/powerpoint/2010/main">
+    <mc:Choice Requires="p14">
       <p:transition p14:dur="150">
         <p:fade/>
       </p:transition>
     </mc:Choice>
-    <mc:Fallback>
+    <mc:Fallback xmlns="">
       <p:transition>
         <p:fade/>
       </p:transition>
@@ -6532,20 +6749,20 @@
     </p:spTree>
     <p:extLst>
       <p:ext uri="{BB962C8B-B14F-4D97-AF65-F5344CB8AC3E}">
-        <p14:creationId xmlns:p14="http://schemas.microsoft.com/office/powerpoint/2010/main" xmlns="" val="3932824120"/>
+        <p14:creationId xmlns:p14="http://schemas.microsoft.com/office/powerpoint/2010/main" val="3932824120"/>
       </p:ext>
     </p:extLst>
   </p:cSld>
   <p:clrMapOvr>
     <a:masterClrMapping/>
   </p:clrMapOvr>
-  <mc:AlternateContent xmlns:mc="http://schemas.openxmlformats.org/markup-compatibility/2006">
-    <mc:Choice xmlns:p14="http://schemas.microsoft.com/office/powerpoint/2010/main" xmlns="" Requires="p14">
+  <mc:AlternateContent xmlns:mc="http://schemas.openxmlformats.org/markup-compatibility/2006" xmlns:p14="http://schemas.microsoft.com/office/powerpoint/2010/main">
+    <mc:Choice Requires="p14">
       <p:transition p14:dur="150">
         <p:fade/>
       </p:transition>
     </mc:Choice>
-    <mc:Fallback>
+    <mc:Fallback xmlns="">
       <p:transition>
         <p:fade/>
       </p:transition>
@@ -6703,15 +6920,7 @@
           <a:p>
             <a:r>
               <a:rPr lang="en-US" sz="2600" dirty="0" smtClean="0"/>
-              <a:t>DB now contains BGP data </a:t>
-            </a:r>
-            <a:r>
-              <a:rPr lang="en-US" sz="2600" dirty="0" smtClean="0"/>
-              <a:t>from </a:t>
-            </a:r>
-            <a:r>
-              <a:rPr lang="en-US" sz="2600" dirty="0" smtClean="0"/>
-              <a:t>126 </a:t>
+              <a:t>DB now contains BGP data from 126 </a:t>
             </a:r>
             <a:r>
               <a:rPr lang="en-US" sz="2600" dirty="0" err="1" smtClean="0"/>
@@ -6721,19 +6930,14 @@
               <a:rPr lang="en-US" sz="2600" dirty="0" smtClean="0"/>
               <a:t> peers</a:t>
             </a:r>
+          </a:p>
+          <a:p>
             <a:endParaRPr lang="en-US" sz="2600" dirty="0" smtClean="0"/>
           </a:p>
           <a:p>
-            <a:endParaRPr lang="en-US" sz="2600" dirty="0" smtClean="0"/>
-          </a:p>
-          <a:p>
             <a:r>
               <a:rPr lang="en-US" sz="2600" dirty="0" smtClean="0"/>
-              <a:t>Geo </a:t>
-            </a:r>
-            <a:r>
-              <a:rPr lang="en-US" sz="2600" dirty="0" smtClean="0"/>
-              <a:t>info of peers using </a:t>
+              <a:t>Geo info of peers using </a:t>
             </a:r>
             <a:r>
               <a:rPr lang="en-US" sz="2600" dirty="0" err="1" smtClean="0"/>
@@ -6741,34 +6945,14 @@
             </a:r>
             <a:r>
               <a:rPr lang="en-US" sz="2600" dirty="0" smtClean="0"/>
-              <a:t> </a:t>
-            </a:r>
-            <a:r>
-              <a:rPr lang="en-US" sz="2600" dirty="0" smtClean="0"/>
-              <a:t>is added </a:t>
+              <a:t> is added </a:t>
             </a:r>
           </a:p>
           <a:p>
             <a:pPr lvl="1"/>
             <a:r>
               <a:rPr lang="en-US" sz="2200" dirty="0" smtClean="0"/>
-              <a:t>User </a:t>
-            </a:r>
-            <a:r>
-              <a:rPr lang="en-US" sz="2200" dirty="0" smtClean="0"/>
-              <a:t>can now view </a:t>
-            </a:r>
-            <a:r>
-              <a:rPr lang="en-US" sz="2200" dirty="0" smtClean="0"/>
-              <a:t>updates for outage prefix </a:t>
-            </a:r>
-            <a:r>
-              <a:rPr lang="en-US" sz="2200" dirty="0" smtClean="0"/>
-              <a:t>from multiple geographic </a:t>
-            </a:r>
-            <a:r>
-              <a:rPr lang="en-US" sz="2200" dirty="0" smtClean="0"/>
-              <a:t>locations</a:t>
+              <a:t>User can now view updates for outage prefix from multiple geographic locations</a:t>
             </a:r>
           </a:p>
           <a:p>
@@ -6778,43 +6962,23 @@
           <a:p>
             <a:r>
               <a:rPr lang="en-US" sz="2600" dirty="0" smtClean="0"/>
-              <a:t>Dataset </a:t>
-            </a:r>
+              <a:t>Dataset information in DB updated </a:t>
+            </a:r>
+          </a:p>
+          <a:p>
+            <a:pPr lvl="1"/>
+            <a:r>
+              <a:rPr lang="en-US" sz="2200" dirty="0" smtClean="0"/>
+              <a:t>Now also shows which collector the data came from </a:t>
+            </a:r>
+          </a:p>
+          <a:p>
+            <a:endParaRPr lang="en-US" sz="2600" dirty="0" smtClean="0"/>
+          </a:p>
+          <a:p>
             <a:r>
               <a:rPr lang="en-US" sz="2600" dirty="0" smtClean="0"/>
-              <a:t>information </a:t>
-            </a:r>
-            <a:r>
-              <a:rPr lang="en-US" sz="2600" dirty="0" smtClean="0"/>
-              <a:t>in DB updated </a:t>
-            </a:r>
-          </a:p>
-          <a:p>
-            <a:pPr lvl="1"/>
-            <a:r>
-              <a:rPr lang="en-US" sz="2200" dirty="0" smtClean="0"/>
-              <a:t>Now </a:t>
-            </a:r>
-            <a:r>
-              <a:rPr lang="en-US" sz="2200" dirty="0" smtClean="0"/>
-              <a:t>also shows which collector the data came from </a:t>
-            </a:r>
-          </a:p>
-          <a:p>
-            <a:endParaRPr lang="en-US" sz="2600" dirty="0" smtClean="0"/>
-          </a:p>
-          <a:p>
-            <a:r>
-              <a:rPr lang="en-US" sz="2600" dirty="0" smtClean="0"/>
-              <a:t>AS </a:t>
-            </a:r>
-            <a:r>
-              <a:rPr lang="en-US" sz="2600" dirty="0" smtClean="0"/>
-              <a:t>paths in Message </a:t>
-            </a:r>
-            <a:r>
-              <a:rPr lang="en-US" sz="2600" dirty="0" smtClean="0"/>
-              <a:t>table</a:t>
+              <a:t>AS paths in Message table</a:t>
             </a:r>
           </a:p>
           <a:p>
@@ -6839,11 +7003,7 @@
             </a:r>
             <a:r>
               <a:rPr lang="en-US" sz="2600" dirty="0" smtClean="0"/>
-              <a:t> </a:t>
-            </a:r>
-            <a:r>
-              <a:rPr lang="en-US" sz="2600" dirty="0" smtClean="0"/>
-              <a:t>table shows BGP prefix governing outage prefix for each peer at start of each outage</a:t>
+              <a:t> table shows BGP prefix governing outage prefix for each peer at start of each outage</a:t>
             </a:r>
             <a:endParaRPr lang="en-US" sz="2600" dirty="0"/>
           </a:p>
@@ -6852,20 +7012,20 @@
     </p:spTree>
     <p:extLst>
       <p:ext uri="{BB962C8B-B14F-4D97-AF65-F5344CB8AC3E}">
-        <p14:creationId xmlns:p14="http://schemas.microsoft.com/office/powerpoint/2010/main" xmlns="" val="3932824120"/>
+        <p14:creationId xmlns:p14="http://schemas.microsoft.com/office/powerpoint/2010/main" val="3932824120"/>
       </p:ext>
     </p:extLst>
   </p:cSld>
   <p:clrMapOvr>
     <a:masterClrMapping/>
   </p:clrMapOvr>
-  <mc:AlternateContent xmlns:mc="http://schemas.openxmlformats.org/markup-compatibility/2006">
-    <mc:Choice xmlns:p14="http://schemas.microsoft.com/office/powerpoint/2010/main" xmlns="" Requires="p14">
+  <mc:AlternateContent xmlns:mc="http://schemas.openxmlformats.org/markup-compatibility/2006" xmlns:p14="http://schemas.microsoft.com/office/powerpoint/2010/main">
+    <mc:Choice Requires="p14">
       <p:transition p14:dur="150">
         <p:fade/>
       </p:transition>
     </mc:Choice>
-    <mc:Fallback>
+    <mc:Fallback xmlns="">
       <p:transition>
         <p:fade/>
       </p:transition>
@@ -7025,20 +7185,20 @@
     </p:spTree>
     <p:extLst>
       <p:ext uri="{BB962C8B-B14F-4D97-AF65-F5344CB8AC3E}">
-        <p14:creationId xmlns:p14="http://schemas.microsoft.com/office/powerpoint/2010/main" xmlns="" val="3932824120"/>
+        <p14:creationId xmlns:p14="http://schemas.microsoft.com/office/powerpoint/2010/main" val="3932824120"/>
       </p:ext>
     </p:extLst>
   </p:cSld>
   <p:clrMapOvr>
     <a:masterClrMapping/>
   </p:clrMapOvr>
-  <mc:AlternateContent xmlns:mc="http://schemas.openxmlformats.org/markup-compatibility/2006">
-    <mc:Choice xmlns:p14="http://schemas.microsoft.com/office/powerpoint/2010/main" xmlns="" Requires="p14">
+  <mc:AlternateContent xmlns:mc="http://schemas.openxmlformats.org/markup-compatibility/2006" xmlns:p14="http://schemas.microsoft.com/office/powerpoint/2010/main">
+    <mc:Choice Requires="p14">
       <p:transition p14:dur="150">
         <p:fade/>
       </p:transition>
     </mc:Choice>
-    <mc:Fallback>
+    <mc:Fallback xmlns="">
       <p:transition>
         <p:fade/>
       </p:transition>
@@ -7144,15 +7304,7 @@
                   <a:srgbClr val="0070C0"/>
                 </a:solidFill>
               </a:rPr>
-              <a:t>Database Schema: Outage </a:t>
-            </a:r>
-            <a:r>
-              <a:rPr lang="en-US" dirty="0" smtClean="0">
-                <a:solidFill>
-                  <a:srgbClr val="0070C0"/>
-                </a:solidFill>
-              </a:rPr>
-              <a:t>Info</a:t>
+              <a:t>Database Schema: Outage Info</a:t>
             </a:r>
             <a:endParaRPr lang="en-US" dirty="0"/>
           </a:p>
@@ -7191,7 +7343,7 @@
           <p:nvPr>
             <p:extLst>
               <p:ext uri="{D42A27DB-BD31-4B8C-83A1-F6EECF244321}">
-                <p14:modId xmlns:p14="http://schemas.microsoft.com/office/powerpoint/2010/main" xmlns="" val="2395174944"/>
+                <p14:modId xmlns:p14="http://schemas.microsoft.com/office/powerpoint/2010/main" val="2395174944"/>
               </p:ext>
             </p:extLst>
           </p:nvPr>
@@ -7579,15 +7731,7 @@
                   <a:srgbClr val="0070C0"/>
                 </a:solidFill>
               </a:rPr>
-              <a:t>BGP Prefix covering given /</a:t>
-            </a:r>
-            <a:r>
-              <a:rPr lang="en-US" b="1" dirty="0" smtClean="0">
-                <a:solidFill>
-                  <a:srgbClr val="0070C0"/>
-                </a:solidFill>
-              </a:rPr>
-              <a:t>24 for each peer  </a:t>
+              <a:t>BGP Prefix covering given /24 for each peer  </a:t>
             </a:r>
             <a:endParaRPr lang="en-US" b="1" dirty="0">
               <a:solidFill>
@@ -7712,7 +7856,7 @@
           <p:nvPr>
             <p:extLst>
               <p:ext uri="{D42A27DB-BD31-4B8C-83A1-F6EECF244321}">
-                <p14:modId xmlns:p14="http://schemas.microsoft.com/office/powerpoint/2010/main" xmlns="" val="2395174944"/>
+                <p14:modId xmlns:p14="http://schemas.microsoft.com/office/powerpoint/2010/main" val="2395174944"/>
               </p:ext>
             </p:extLst>
           </p:nvPr>
@@ -7997,11 +8141,7 @@
           <a:p>
             <a:r>
               <a:rPr lang="en-US" dirty="0" smtClean="0"/>
-              <a:t>Outage Info Table</a:t>
-            </a:r>
-            <a:r>
-              <a:rPr lang="en-US" dirty="0" smtClean="0"/>
-              <a:t>:</a:t>
+              <a:t>Outage Info Table:</a:t>
             </a:r>
             <a:endParaRPr lang="en-US" dirty="0"/>
           </a:p>
@@ -8010,20 +8150,20 @@
     </p:spTree>
     <p:extLst>
       <p:ext uri="{BB962C8B-B14F-4D97-AF65-F5344CB8AC3E}">
-        <p14:creationId xmlns:p14="http://schemas.microsoft.com/office/powerpoint/2010/main" xmlns="" val="3932824120"/>
+        <p14:creationId xmlns:p14="http://schemas.microsoft.com/office/powerpoint/2010/main" val="3932824120"/>
       </p:ext>
     </p:extLst>
   </p:cSld>
   <p:clrMapOvr>
     <a:masterClrMapping/>
   </p:clrMapOvr>
-  <mc:AlternateContent xmlns:mc="http://schemas.openxmlformats.org/markup-compatibility/2006">
-    <mc:Choice xmlns:p14="http://schemas.microsoft.com/office/powerpoint/2010/main" xmlns="" Requires="p14">
+  <mc:AlternateContent xmlns:mc="http://schemas.openxmlformats.org/markup-compatibility/2006" xmlns:p14="http://schemas.microsoft.com/office/powerpoint/2010/main">
+    <mc:Choice Requires="p14">
       <p:transition p14:dur="150">
         <p:fade/>
       </p:transition>
     </mc:Choice>
-    <mc:Fallback>
+    <mc:Fallback xmlns="">
       <p:transition>
         <p:fade/>
       </p:transition>
@@ -8434,7 +8574,7 @@
           <a:blip r:embed="rId3">
             <a:extLst>
               <a:ext uri="{28A0092B-C50C-407E-A947-70E740481C1C}">
-                <a14:useLocalDpi xmlns:a14="http://schemas.microsoft.com/office/drawing/2010/main" xmlns="" val="0"/>
+                <a14:useLocalDpi xmlns:a14="http://schemas.microsoft.com/office/drawing/2010/main" val="0"/>
               </a:ext>
             </a:extLst>
           </a:blip>
@@ -8855,20 +8995,20 @@
     </p:spTree>
     <p:extLst>
       <p:ext uri="{BB962C8B-B14F-4D97-AF65-F5344CB8AC3E}">
-        <p14:creationId xmlns:p14="http://schemas.microsoft.com/office/powerpoint/2010/main" xmlns="" val="3647413409"/>
+        <p14:creationId xmlns:p14="http://schemas.microsoft.com/office/powerpoint/2010/main" val="3647413409"/>
       </p:ext>
     </p:extLst>
   </p:cSld>
   <p:clrMapOvr>
     <a:masterClrMapping/>
   </p:clrMapOvr>
-  <mc:AlternateContent xmlns:mc="http://schemas.openxmlformats.org/markup-compatibility/2006">
-    <mc:Choice xmlns:p14="http://schemas.microsoft.com/office/powerpoint/2010/main" xmlns="" Requires="p14">
+  <mc:AlternateContent xmlns:mc="http://schemas.openxmlformats.org/markup-compatibility/2006" xmlns:p14="http://schemas.microsoft.com/office/powerpoint/2010/main">
+    <mc:Choice Requires="p14">
       <p:transition p14:dur="150">
         <p:fade/>
       </p:transition>
     </mc:Choice>
-    <mc:Fallback>
+    <mc:Fallback xmlns="">
       <p:transition>
         <p:fade/>
       </p:transition>
